--- a/jenny_CMF/graphs/Learning curve.pptx
+++ b/jenny_CMF/graphs/Learning curve.pptx
@@ -2700,7 +2700,7 @@
               <a:avLst/>
             </a:prstGeom>
             <a:solidFill>
-              <a:srgbClr val="F8766D">
+              <a:srgbClr val="1C86EE">
                 <a:alpha val="100000"/>
               </a:srgbClr>
             </a:solidFill>
@@ -2726,7 +2726,7 @@
               <a:avLst/>
             </a:prstGeom>
             <a:solidFill>
-              <a:srgbClr val="F8766D">
+              <a:srgbClr val="1C86EE">
                 <a:alpha val="100000"/>
               </a:srgbClr>
             </a:solidFill>
@@ -2752,7 +2752,7 @@
               <a:avLst/>
             </a:prstGeom>
             <a:solidFill>
-              <a:srgbClr val="F8766D">
+              <a:srgbClr val="1C86EE">
                 <a:alpha val="100000"/>
               </a:srgbClr>
             </a:solidFill>
@@ -2778,7 +2778,7 @@
               <a:avLst/>
             </a:prstGeom>
             <a:solidFill>
-              <a:srgbClr val="00BFC4">
+              <a:srgbClr val="EE2C2C">
                 <a:alpha val="100000"/>
               </a:srgbClr>
             </a:solidFill>
@@ -2804,7 +2804,7 @@
               <a:avLst/>
             </a:prstGeom>
             <a:solidFill>
-              <a:srgbClr val="F8766D">
+              <a:srgbClr val="1C86EE">
                 <a:alpha val="100000"/>
               </a:srgbClr>
             </a:solidFill>
@@ -2830,7 +2830,7 @@
               <a:avLst/>
             </a:prstGeom>
             <a:solidFill>
-              <a:srgbClr val="F8766D">
+              <a:srgbClr val="1C86EE">
                 <a:alpha val="100000"/>
               </a:srgbClr>
             </a:solidFill>
@@ -2856,7 +2856,7 @@
               <a:avLst/>
             </a:prstGeom>
             <a:solidFill>
-              <a:srgbClr val="F8766D">
+              <a:srgbClr val="1C86EE">
                 <a:alpha val="100000"/>
               </a:srgbClr>
             </a:solidFill>
@@ -2896,7 +2896,7 @@
               </a:pathLst>
             </a:custGeom>
             <a:solidFill>
-              <a:srgbClr val="F8766D">
+              <a:srgbClr val="1C86EE">
                 <a:alpha val="100000"/>
               </a:srgbClr>
             </a:solidFill>
@@ -2922,7 +2922,7 @@
               <a:avLst/>
             </a:prstGeom>
             <a:solidFill>
-              <a:srgbClr val="F8766D">
+              <a:srgbClr val="1C86EE">
                 <a:alpha val="100000"/>
               </a:srgbClr>
             </a:solidFill>
@@ -2948,7 +2948,7 @@
               <a:avLst/>
             </a:prstGeom>
             <a:solidFill>
-              <a:srgbClr val="F8766D">
+              <a:srgbClr val="1C86EE">
                 <a:alpha val="100000"/>
               </a:srgbClr>
             </a:solidFill>
@@ -2974,7 +2974,7 @@
               <a:avLst/>
             </a:prstGeom>
             <a:solidFill>
-              <a:srgbClr val="F8766D">
+              <a:srgbClr val="1C86EE">
                 <a:alpha val="100000"/>
               </a:srgbClr>
             </a:solidFill>
@@ -3014,7 +3014,7 @@
               </a:pathLst>
             </a:custGeom>
             <a:solidFill>
-              <a:srgbClr val="F8766D">
+              <a:srgbClr val="1C86EE">
                 <a:alpha val="100000"/>
               </a:srgbClr>
             </a:solidFill>
@@ -3040,7 +3040,7 @@
               <a:avLst/>
             </a:prstGeom>
             <a:solidFill>
-              <a:srgbClr val="F8766D">
+              <a:srgbClr val="1C86EE">
                 <a:alpha val="100000"/>
               </a:srgbClr>
             </a:solidFill>
@@ -3066,7 +3066,7 @@
               <a:avLst/>
             </a:prstGeom>
             <a:solidFill>
-              <a:srgbClr val="F8766D">
+              <a:srgbClr val="1C86EE">
                 <a:alpha val="100000"/>
               </a:srgbClr>
             </a:solidFill>
@@ -3092,7 +3092,7 @@
               <a:avLst/>
             </a:prstGeom>
             <a:solidFill>
-              <a:srgbClr val="F8766D">
+              <a:srgbClr val="1C86EE">
                 <a:alpha val="100000"/>
               </a:srgbClr>
             </a:solidFill>
@@ -3118,7 +3118,7 @@
               <a:avLst/>
             </a:prstGeom>
             <a:solidFill>
-              <a:srgbClr val="F8766D">
+              <a:srgbClr val="1C86EE">
                 <a:alpha val="100000"/>
               </a:srgbClr>
             </a:solidFill>
@@ -3144,7 +3144,7 @@
               <a:avLst/>
             </a:prstGeom>
             <a:solidFill>
-              <a:srgbClr val="F8766D">
+              <a:srgbClr val="1C86EE">
                 <a:alpha val="100000"/>
               </a:srgbClr>
             </a:solidFill>
@@ -3170,7 +3170,7 @@
               <a:avLst/>
             </a:prstGeom>
             <a:solidFill>
-              <a:srgbClr val="F8766D">
+              <a:srgbClr val="1C86EE">
                 <a:alpha val="100000"/>
               </a:srgbClr>
             </a:solidFill>
@@ -3196,7 +3196,7 @@
               <a:avLst/>
             </a:prstGeom>
             <a:solidFill>
-              <a:srgbClr val="F8766D">
+              <a:srgbClr val="1C86EE">
                 <a:alpha val="100000"/>
               </a:srgbClr>
             </a:solidFill>
@@ -3222,7 +3222,7 @@
               <a:avLst/>
             </a:prstGeom>
             <a:solidFill>
-              <a:srgbClr val="F8766D">
+              <a:srgbClr val="1C86EE">
                 <a:alpha val="100000"/>
               </a:srgbClr>
             </a:solidFill>
@@ -3248,7 +3248,7 @@
               <a:avLst/>
             </a:prstGeom>
             <a:solidFill>
-              <a:srgbClr val="F8766D">
+              <a:srgbClr val="1C86EE">
                 <a:alpha val="100000"/>
               </a:srgbClr>
             </a:solidFill>
@@ -3274,7 +3274,7 @@
               <a:avLst/>
             </a:prstGeom>
             <a:solidFill>
-              <a:srgbClr val="00BFC4">
+              <a:srgbClr val="EE2C2C">
                 <a:alpha val="100000"/>
               </a:srgbClr>
             </a:solidFill>
@@ -3300,7 +3300,7 @@
               <a:avLst/>
             </a:prstGeom>
             <a:solidFill>
-              <a:srgbClr val="F8766D">
+              <a:srgbClr val="1C86EE">
                 <a:alpha val="100000"/>
               </a:srgbClr>
             </a:solidFill>
@@ -3326,7 +3326,7 @@
               <a:avLst/>
             </a:prstGeom>
             <a:solidFill>
-              <a:srgbClr val="F8766D">
+              <a:srgbClr val="1C86EE">
                 <a:alpha val="100000"/>
               </a:srgbClr>
             </a:solidFill>
@@ -3352,7 +3352,7 @@
               <a:avLst/>
             </a:prstGeom>
             <a:solidFill>
-              <a:srgbClr val="F8766D">
+              <a:srgbClr val="1C86EE">
                 <a:alpha val="100000"/>
               </a:srgbClr>
             </a:solidFill>
@@ -3378,7 +3378,7 @@
               <a:avLst/>
             </a:prstGeom>
             <a:solidFill>
-              <a:srgbClr val="F8766D">
+              <a:srgbClr val="1C86EE">
                 <a:alpha val="100000"/>
               </a:srgbClr>
             </a:solidFill>
@@ -3404,7 +3404,7 @@
               <a:avLst/>
             </a:prstGeom>
             <a:solidFill>
-              <a:srgbClr val="F8766D">
+              <a:srgbClr val="1C86EE">
                 <a:alpha val="100000"/>
               </a:srgbClr>
             </a:solidFill>
@@ -3430,7 +3430,7 @@
               <a:avLst/>
             </a:prstGeom>
             <a:solidFill>
-              <a:srgbClr val="F8766D">
+              <a:srgbClr val="1C86EE">
                 <a:alpha val="100000"/>
               </a:srgbClr>
             </a:solidFill>
@@ -3456,7 +3456,7 @@
               <a:avLst/>
             </a:prstGeom>
             <a:solidFill>
-              <a:srgbClr val="F8766D">
+              <a:srgbClr val="1C86EE">
                 <a:alpha val="100000"/>
               </a:srgbClr>
             </a:solidFill>
@@ -3482,7 +3482,7 @@
               <a:avLst/>
             </a:prstGeom>
             <a:solidFill>
-              <a:srgbClr val="F8766D">
+              <a:srgbClr val="1C86EE">
                 <a:alpha val="100000"/>
               </a:srgbClr>
             </a:solidFill>
@@ -3508,7 +3508,7 @@
               <a:avLst/>
             </a:prstGeom>
             <a:solidFill>
-              <a:srgbClr val="F8766D">
+              <a:srgbClr val="1C86EE">
                 <a:alpha val="100000"/>
               </a:srgbClr>
             </a:solidFill>
@@ -3548,7 +3548,7 @@
               </a:pathLst>
             </a:custGeom>
             <a:solidFill>
-              <a:srgbClr val="F8766D">
+              <a:srgbClr val="1C86EE">
                 <a:alpha val="100000"/>
               </a:srgbClr>
             </a:solidFill>
@@ -3574,7 +3574,7 @@
               <a:avLst/>
             </a:prstGeom>
             <a:solidFill>
-              <a:srgbClr val="F8766D">
+              <a:srgbClr val="1C86EE">
                 <a:alpha val="100000"/>
               </a:srgbClr>
             </a:solidFill>
@@ -3600,7 +3600,7 @@
               <a:avLst/>
             </a:prstGeom>
             <a:solidFill>
-              <a:srgbClr val="F8766D">
+              <a:srgbClr val="1C86EE">
                 <a:alpha val="100000"/>
               </a:srgbClr>
             </a:solidFill>
@@ -3626,7 +3626,7 @@
               <a:avLst/>
             </a:prstGeom>
             <a:solidFill>
-              <a:srgbClr val="F8766D">
+              <a:srgbClr val="1C86EE">
                 <a:alpha val="100000"/>
               </a:srgbClr>
             </a:solidFill>
@@ -3652,7 +3652,7 @@
               <a:avLst/>
             </a:prstGeom>
             <a:solidFill>
-              <a:srgbClr val="F8766D">
+              <a:srgbClr val="1C86EE">
                 <a:alpha val="100000"/>
               </a:srgbClr>
             </a:solidFill>
@@ -3678,7 +3678,7 @@
               <a:avLst/>
             </a:prstGeom>
             <a:solidFill>
-              <a:srgbClr val="F8766D">
+              <a:srgbClr val="1C86EE">
                 <a:alpha val="100000"/>
               </a:srgbClr>
             </a:solidFill>
@@ -3704,7 +3704,7 @@
               <a:avLst/>
             </a:prstGeom>
             <a:solidFill>
-              <a:srgbClr val="F8766D">
+              <a:srgbClr val="1C86EE">
                 <a:alpha val="100000"/>
               </a:srgbClr>
             </a:solidFill>
@@ -3730,7 +3730,7 @@
               <a:avLst/>
             </a:prstGeom>
             <a:solidFill>
-              <a:srgbClr val="F8766D">
+              <a:srgbClr val="1C86EE">
                 <a:alpha val="100000"/>
               </a:srgbClr>
             </a:solidFill>
@@ -3756,7 +3756,7 @@
               <a:avLst/>
             </a:prstGeom>
             <a:solidFill>
-              <a:srgbClr val="00BFC4">
+              <a:srgbClr val="EE2C2C">
                 <a:alpha val="100000"/>
               </a:srgbClr>
             </a:solidFill>
@@ -3782,7 +3782,7 @@
               <a:avLst/>
             </a:prstGeom>
             <a:solidFill>
-              <a:srgbClr val="F8766D">
+              <a:srgbClr val="1C86EE">
                 <a:alpha val="100000"/>
               </a:srgbClr>
             </a:solidFill>
@@ -3808,7 +3808,7 @@
               <a:avLst/>
             </a:prstGeom>
             <a:solidFill>
-              <a:srgbClr val="F8766D">
+              <a:srgbClr val="1C86EE">
                 <a:alpha val="100000"/>
               </a:srgbClr>
             </a:solidFill>
@@ -3834,7 +3834,7 @@
               <a:avLst/>
             </a:prstGeom>
             <a:solidFill>
-              <a:srgbClr val="F8766D">
+              <a:srgbClr val="1C86EE">
                 <a:alpha val="100000"/>
               </a:srgbClr>
             </a:solidFill>
@@ -3860,7 +3860,7 @@
               <a:avLst/>
             </a:prstGeom>
             <a:solidFill>
-              <a:srgbClr val="F8766D">
+              <a:srgbClr val="1C86EE">
                 <a:alpha val="100000"/>
               </a:srgbClr>
             </a:solidFill>
@@ -3886,7 +3886,7 @@
               <a:avLst/>
             </a:prstGeom>
             <a:solidFill>
-              <a:srgbClr val="F8766D">
+              <a:srgbClr val="1C86EE">
                 <a:alpha val="100000"/>
               </a:srgbClr>
             </a:solidFill>
@@ -3912,7 +3912,7 @@
               <a:avLst/>
             </a:prstGeom>
             <a:solidFill>
-              <a:srgbClr val="F8766D">
+              <a:srgbClr val="1C86EE">
                 <a:alpha val="100000"/>
               </a:srgbClr>
             </a:solidFill>
@@ -3938,7 +3938,7 @@
               <a:avLst/>
             </a:prstGeom>
             <a:solidFill>
-              <a:srgbClr val="F8766D">
+              <a:srgbClr val="1C86EE">
                 <a:alpha val="100000"/>
               </a:srgbClr>
             </a:solidFill>
@@ -3964,7 +3964,7 @@
               <a:avLst/>
             </a:prstGeom>
             <a:solidFill>
-              <a:srgbClr val="F8766D">
+              <a:srgbClr val="1C86EE">
                 <a:alpha val="100000"/>
               </a:srgbClr>
             </a:solidFill>
@@ -4004,7 +4004,7 @@
               </a:pathLst>
             </a:custGeom>
             <a:solidFill>
-              <a:srgbClr val="F8766D">
+              <a:srgbClr val="1C86EE">
                 <a:alpha val="100000"/>
               </a:srgbClr>
             </a:solidFill>
@@ -4030,7 +4030,7 @@
               <a:avLst/>
             </a:prstGeom>
             <a:solidFill>
-              <a:srgbClr val="F8766D">
+              <a:srgbClr val="1C86EE">
                 <a:alpha val="100000"/>
               </a:srgbClr>
             </a:solidFill>
@@ -4056,7 +4056,7 @@
               <a:avLst/>
             </a:prstGeom>
             <a:solidFill>
-              <a:srgbClr val="00BFC4">
+              <a:srgbClr val="EE2C2C">
                 <a:alpha val="100000"/>
               </a:srgbClr>
             </a:solidFill>
@@ -4082,7 +4082,7 @@
               <a:avLst/>
             </a:prstGeom>
             <a:solidFill>
-              <a:srgbClr val="F8766D">
+              <a:srgbClr val="1C86EE">
                 <a:alpha val="100000"/>
               </a:srgbClr>
             </a:solidFill>
@@ -4108,7 +4108,7 @@
               <a:avLst/>
             </a:prstGeom>
             <a:solidFill>
-              <a:srgbClr val="F8766D">
+              <a:srgbClr val="1C86EE">
                 <a:alpha val="100000"/>
               </a:srgbClr>
             </a:solidFill>
@@ -4134,7 +4134,7 @@
               <a:avLst/>
             </a:prstGeom>
             <a:solidFill>
-              <a:srgbClr val="F8766D">
+              <a:srgbClr val="1C86EE">
                 <a:alpha val="100000"/>
               </a:srgbClr>
             </a:solidFill>
@@ -4160,7 +4160,7 @@
               <a:avLst/>
             </a:prstGeom>
             <a:solidFill>
-              <a:srgbClr val="00BFC4">
+              <a:srgbClr val="EE2C2C">
                 <a:alpha val="100000"/>
               </a:srgbClr>
             </a:solidFill>
@@ -4186,7 +4186,7 @@
               <a:avLst/>
             </a:prstGeom>
             <a:solidFill>
-              <a:srgbClr val="F8766D">
+              <a:srgbClr val="1C86EE">
                 <a:alpha val="100000"/>
               </a:srgbClr>
             </a:solidFill>
@@ -4212,7 +4212,7 @@
               <a:avLst/>
             </a:prstGeom>
             <a:solidFill>
-              <a:srgbClr val="F8766D">
+              <a:srgbClr val="1C86EE">
                 <a:alpha val="100000"/>
               </a:srgbClr>
             </a:solidFill>
@@ -4238,7 +4238,7 @@
               <a:avLst/>
             </a:prstGeom>
             <a:solidFill>
-              <a:srgbClr val="F8766D">
+              <a:srgbClr val="1C86EE">
                 <a:alpha val="100000"/>
               </a:srgbClr>
             </a:solidFill>
@@ -4264,7 +4264,7 @@
               <a:avLst/>
             </a:prstGeom>
             <a:solidFill>
-              <a:srgbClr val="F8766D">
+              <a:srgbClr val="1C86EE">
                 <a:alpha val="100000"/>
               </a:srgbClr>
             </a:solidFill>
@@ -4290,7 +4290,7 @@
               <a:avLst/>
             </a:prstGeom>
             <a:solidFill>
-              <a:srgbClr val="F8766D">
+              <a:srgbClr val="1C86EE">
                 <a:alpha val="100000"/>
               </a:srgbClr>
             </a:solidFill>
@@ -4316,7 +4316,7 @@
               <a:avLst/>
             </a:prstGeom>
             <a:solidFill>
-              <a:srgbClr val="F8766D">
+              <a:srgbClr val="1C86EE">
                 <a:alpha val="100000"/>
               </a:srgbClr>
             </a:solidFill>
@@ -4342,7 +4342,7 @@
               <a:avLst/>
             </a:prstGeom>
             <a:solidFill>
-              <a:srgbClr val="F8766D">
+              <a:srgbClr val="1C86EE">
                 <a:alpha val="100000"/>
               </a:srgbClr>
             </a:solidFill>
@@ -4368,7 +4368,7 @@
               <a:avLst/>
             </a:prstGeom>
             <a:solidFill>
-              <a:srgbClr val="F8766D">
+              <a:srgbClr val="1C86EE">
                 <a:alpha val="100000"/>
               </a:srgbClr>
             </a:solidFill>
@@ -4394,7 +4394,7 @@
               <a:avLst/>
             </a:prstGeom>
             <a:solidFill>
-              <a:srgbClr val="F8766D">
+              <a:srgbClr val="1C86EE">
                 <a:alpha val="100000"/>
               </a:srgbClr>
             </a:solidFill>
@@ -4420,7 +4420,7 @@
               <a:avLst/>
             </a:prstGeom>
             <a:solidFill>
-              <a:srgbClr val="F8766D">
+              <a:srgbClr val="1C86EE">
                 <a:alpha val="100000"/>
               </a:srgbClr>
             </a:solidFill>
@@ -4446,7 +4446,7 @@
               <a:avLst/>
             </a:prstGeom>
             <a:solidFill>
-              <a:srgbClr val="F8766D">
+              <a:srgbClr val="1C86EE">
                 <a:alpha val="100000"/>
               </a:srgbClr>
             </a:solidFill>
@@ -4472,7 +4472,7 @@
               <a:avLst/>
             </a:prstGeom>
             <a:solidFill>
-              <a:srgbClr val="F8766D">
+              <a:srgbClr val="1C86EE">
                 <a:alpha val="100000"/>
               </a:srgbClr>
             </a:solidFill>
@@ -4498,7 +4498,7 @@
               <a:avLst/>
             </a:prstGeom>
             <a:solidFill>
-              <a:srgbClr val="F8766D">
+              <a:srgbClr val="1C86EE">
                 <a:alpha val="100000"/>
               </a:srgbClr>
             </a:solidFill>
@@ -4538,7 +4538,7 @@
               </a:pathLst>
             </a:custGeom>
             <a:solidFill>
-              <a:srgbClr val="00BFC4">
+              <a:srgbClr val="EE2C2C">
                 <a:alpha val="100000"/>
               </a:srgbClr>
             </a:solidFill>
@@ -4564,7 +4564,7 @@
               <a:avLst/>
             </a:prstGeom>
             <a:solidFill>
-              <a:srgbClr val="F8766D">
+              <a:srgbClr val="1C86EE">
                 <a:alpha val="100000"/>
               </a:srgbClr>
             </a:solidFill>
@@ -4590,7 +4590,7 @@
               <a:avLst/>
             </a:prstGeom>
             <a:solidFill>
-              <a:srgbClr val="F8766D">
+              <a:srgbClr val="1C86EE">
                 <a:alpha val="100000"/>
               </a:srgbClr>
             </a:solidFill>
@@ -4616,7 +4616,7 @@
               <a:avLst/>
             </a:prstGeom>
             <a:solidFill>
-              <a:srgbClr val="F8766D">
+              <a:srgbClr val="1C86EE">
                 <a:alpha val="100000"/>
               </a:srgbClr>
             </a:solidFill>
@@ -4642,7 +4642,7 @@
               <a:avLst/>
             </a:prstGeom>
             <a:solidFill>
-              <a:srgbClr val="F8766D">
+              <a:srgbClr val="1C86EE">
                 <a:alpha val="100000"/>
               </a:srgbClr>
             </a:solidFill>
@@ -4668,7 +4668,7 @@
               <a:avLst/>
             </a:prstGeom>
             <a:solidFill>
-              <a:srgbClr val="F8766D">
+              <a:srgbClr val="1C86EE">
                 <a:alpha val="100000"/>
               </a:srgbClr>
             </a:solidFill>
@@ -4694,7 +4694,7 @@
               <a:avLst/>
             </a:prstGeom>
             <a:solidFill>
-              <a:srgbClr val="F8766D">
+              <a:srgbClr val="1C86EE">
                 <a:alpha val="100000"/>
               </a:srgbClr>
             </a:solidFill>
@@ -4720,7 +4720,7 @@
               <a:avLst/>
             </a:prstGeom>
             <a:solidFill>
-              <a:srgbClr val="00BFC4">
+              <a:srgbClr val="EE2C2C">
                 <a:alpha val="100000"/>
               </a:srgbClr>
             </a:solidFill>
@@ -4746,7 +4746,7 @@
               <a:avLst/>
             </a:prstGeom>
             <a:solidFill>
-              <a:srgbClr val="F8766D">
+              <a:srgbClr val="1C86EE">
                 <a:alpha val="100000"/>
               </a:srgbClr>
             </a:solidFill>
@@ -4772,7 +4772,7 @@
               <a:avLst/>
             </a:prstGeom>
             <a:solidFill>
-              <a:srgbClr val="F8766D">
+              <a:srgbClr val="1C86EE">
                 <a:alpha val="100000"/>
               </a:srgbClr>
             </a:solidFill>
@@ -4798,7 +4798,7 @@
               <a:avLst/>
             </a:prstGeom>
             <a:solidFill>
-              <a:srgbClr val="F8766D">
+              <a:srgbClr val="1C86EE">
                 <a:alpha val="100000"/>
               </a:srgbClr>
             </a:solidFill>
@@ -4824,7 +4824,7 @@
               <a:avLst/>
             </a:prstGeom>
             <a:solidFill>
-              <a:srgbClr val="F8766D">
+              <a:srgbClr val="1C86EE">
                 <a:alpha val="100000"/>
               </a:srgbClr>
             </a:solidFill>
@@ -4850,7 +4850,7 @@
               <a:avLst/>
             </a:prstGeom>
             <a:solidFill>
-              <a:srgbClr val="F8766D">
+              <a:srgbClr val="1C86EE">
                 <a:alpha val="100000"/>
               </a:srgbClr>
             </a:solidFill>
@@ -4876,7 +4876,7 @@
               <a:avLst/>
             </a:prstGeom>
             <a:solidFill>
-              <a:srgbClr val="F8766D">
+              <a:srgbClr val="1C86EE">
                 <a:alpha val="100000"/>
               </a:srgbClr>
             </a:solidFill>
@@ -4916,7 +4916,7 @@
               </a:pathLst>
             </a:custGeom>
             <a:solidFill>
-              <a:srgbClr val="F8766D">
+              <a:srgbClr val="1C86EE">
                 <a:alpha val="100000"/>
               </a:srgbClr>
             </a:solidFill>
@@ -4942,7 +4942,7 @@
               <a:avLst/>
             </a:prstGeom>
             <a:solidFill>
-              <a:srgbClr val="F8766D">
+              <a:srgbClr val="1C86EE">
                 <a:alpha val="100000"/>
               </a:srgbClr>
             </a:solidFill>
@@ -4968,7 +4968,7 @@
               <a:avLst/>
             </a:prstGeom>
             <a:solidFill>
-              <a:srgbClr val="F8766D">
+              <a:srgbClr val="1C86EE">
                 <a:alpha val="100000"/>
               </a:srgbClr>
             </a:solidFill>
@@ -4994,7 +4994,7 @@
               <a:avLst/>
             </a:prstGeom>
             <a:solidFill>
-              <a:srgbClr val="F8766D">
+              <a:srgbClr val="1C86EE">
                 <a:alpha val="100000"/>
               </a:srgbClr>
             </a:solidFill>
@@ -5020,7 +5020,7 @@
               <a:avLst/>
             </a:prstGeom>
             <a:solidFill>
-              <a:srgbClr val="F8766D">
+              <a:srgbClr val="1C86EE">
                 <a:alpha val="100000"/>
               </a:srgbClr>
             </a:solidFill>
@@ -5046,7 +5046,7 @@
               <a:avLst/>
             </a:prstGeom>
             <a:solidFill>
-              <a:srgbClr val="F8766D">
+              <a:srgbClr val="1C86EE">
                 <a:alpha val="100000"/>
               </a:srgbClr>
             </a:solidFill>
@@ -5072,7 +5072,7 @@
               <a:avLst/>
             </a:prstGeom>
             <a:solidFill>
-              <a:srgbClr val="F8766D">
+              <a:srgbClr val="1C86EE">
                 <a:alpha val="100000"/>
               </a:srgbClr>
             </a:solidFill>
@@ -5098,7 +5098,7 @@
               <a:avLst/>
             </a:prstGeom>
             <a:solidFill>
-              <a:srgbClr val="F8766D">
+              <a:srgbClr val="1C86EE">
                 <a:alpha val="100000"/>
               </a:srgbClr>
             </a:solidFill>
@@ -5124,7 +5124,7 @@
               <a:avLst/>
             </a:prstGeom>
             <a:solidFill>
-              <a:srgbClr val="F8766D">
+              <a:srgbClr val="1C86EE">
                 <a:alpha val="100000"/>
               </a:srgbClr>
             </a:solidFill>
@@ -5150,7 +5150,7 @@
               <a:avLst/>
             </a:prstGeom>
             <a:solidFill>
-              <a:srgbClr val="F8766D">
+              <a:srgbClr val="1C86EE">
                 <a:alpha val="100000"/>
               </a:srgbClr>
             </a:solidFill>
@@ -5176,7 +5176,7 @@
               <a:avLst/>
             </a:prstGeom>
             <a:solidFill>
-              <a:srgbClr val="F8766D">
+              <a:srgbClr val="1C86EE">
                 <a:alpha val="100000"/>
               </a:srgbClr>
             </a:solidFill>
@@ -5202,7 +5202,7 @@
               <a:avLst/>
             </a:prstGeom>
             <a:solidFill>
-              <a:srgbClr val="F8766D">
+              <a:srgbClr val="1C86EE">
                 <a:alpha val="100000"/>
               </a:srgbClr>
             </a:solidFill>
@@ -5228,7 +5228,7 @@
               <a:avLst/>
             </a:prstGeom>
             <a:solidFill>
-              <a:srgbClr val="00BFC4">
+              <a:srgbClr val="EE2C2C">
                 <a:alpha val="100000"/>
               </a:srgbClr>
             </a:solidFill>
@@ -5254,7 +5254,7 @@
               <a:avLst/>
             </a:prstGeom>
             <a:solidFill>
-              <a:srgbClr val="00BFC4">
+              <a:srgbClr val="EE2C2C">
                 <a:alpha val="100000"/>
               </a:srgbClr>
             </a:solidFill>
@@ -5280,7 +5280,7 @@
               <a:avLst/>
             </a:prstGeom>
             <a:solidFill>
-              <a:srgbClr val="F8766D">
+              <a:srgbClr val="1C86EE">
                 <a:alpha val="100000"/>
               </a:srgbClr>
             </a:solidFill>
@@ -5306,7 +5306,7 @@
               <a:avLst/>
             </a:prstGeom>
             <a:solidFill>
-              <a:srgbClr val="F8766D">
+              <a:srgbClr val="1C86EE">
                 <a:alpha val="100000"/>
               </a:srgbClr>
             </a:solidFill>
@@ -5332,7 +5332,7 @@
               <a:avLst/>
             </a:prstGeom>
             <a:solidFill>
-              <a:srgbClr val="F8766D">
+              <a:srgbClr val="1C86EE">
                 <a:alpha val="100000"/>
               </a:srgbClr>
             </a:solidFill>
@@ -5358,7 +5358,7 @@
               <a:avLst/>
             </a:prstGeom>
             <a:solidFill>
-              <a:srgbClr val="F8766D">
+              <a:srgbClr val="1C86EE">
                 <a:alpha val="100000"/>
               </a:srgbClr>
             </a:solidFill>
@@ -5384,7 +5384,7 @@
               <a:avLst/>
             </a:prstGeom>
             <a:solidFill>
-              <a:srgbClr val="F8766D">
+              <a:srgbClr val="1C86EE">
                 <a:alpha val="100000"/>
               </a:srgbClr>
             </a:solidFill>
@@ -5410,7 +5410,7 @@
               <a:avLst/>
             </a:prstGeom>
             <a:solidFill>
-              <a:srgbClr val="F8766D">
+              <a:srgbClr val="1C86EE">
                 <a:alpha val="100000"/>
               </a:srgbClr>
             </a:solidFill>
@@ -5436,7 +5436,7 @@
               <a:avLst/>
             </a:prstGeom>
             <a:solidFill>
-              <a:srgbClr val="F8766D">
+              <a:srgbClr val="1C86EE">
                 <a:alpha val="100000"/>
               </a:srgbClr>
             </a:solidFill>
@@ -5462,7 +5462,7 @@
               <a:avLst/>
             </a:prstGeom>
             <a:solidFill>
-              <a:srgbClr val="F8766D">
+              <a:srgbClr val="1C86EE">
                 <a:alpha val="100000"/>
               </a:srgbClr>
             </a:solidFill>
@@ -5488,7 +5488,7 @@
               <a:avLst/>
             </a:prstGeom>
             <a:solidFill>
-              <a:srgbClr val="00BFC4">
+              <a:srgbClr val="EE2C2C">
                 <a:alpha val="100000"/>
               </a:srgbClr>
             </a:solidFill>
@@ -5514,7 +5514,7 @@
               <a:avLst/>
             </a:prstGeom>
             <a:solidFill>
-              <a:srgbClr val="F8766D">
+              <a:srgbClr val="1C86EE">
                 <a:alpha val="100000"/>
               </a:srgbClr>
             </a:solidFill>
@@ -5540,7 +5540,7 @@
               <a:avLst/>
             </a:prstGeom>
             <a:solidFill>
-              <a:srgbClr val="F8766D">
+              <a:srgbClr val="1C86EE">
                 <a:alpha val="100000"/>
               </a:srgbClr>
             </a:solidFill>
@@ -5566,7 +5566,7 @@
               <a:avLst/>
             </a:prstGeom>
             <a:solidFill>
-              <a:srgbClr val="F8766D">
+              <a:srgbClr val="1C86EE">
                 <a:alpha val="100000"/>
               </a:srgbClr>
             </a:solidFill>
@@ -5592,7 +5592,7 @@
               <a:avLst/>
             </a:prstGeom>
             <a:solidFill>
-              <a:srgbClr val="F8766D">
+              <a:srgbClr val="1C86EE">
                 <a:alpha val="100000"/>
               </a:srgbClr>
             </a:solidFill>
@@ -5618,7 +5618,7 @@
               <a:avLst/>
             </a:prstGeom>
             <a:solidFill>
-              <a:srgbClr val="F8766D">
+              <a:srgbClr val="1C86EE">
                 <a:alpha val="100000"/>
               </a:srgbClr>
             </a:solidFill>
@@ -5644,7 +5644,7 @@
               <a:avLst/>
             </a:prstGeom>
             <a:solidFill>
-              <a:srgbClr val="00BFC4">
+              <a:srgbClr val="EE2C2C">
                 <a:alpha val="100000"/>
               </a:srgbClr>
             </a:solidFill>
@@ -5670,7 +5670,7 @@
               <a:avLst/>
             </a:prstGeom>
             <a:solidFill>
-              <a:srgbClr val="F8766D">
+              <a:srgbClr val="1C86EE">
                 <a:alpha val="100000"/>
               </a:srgbClr>
             </a:solidFill>
@@ -5696,7 +5696,7 @@
               <a:avLst/>
             </a:prstGeom>
             <a:solidFill>
-              <a:srgbClr val="F8766D">
+              <a:srgbClr val="1C86EE">
                 <a:alpha val="100000"/>
               </a:srgbClr>
             </a:solidFill>
@@ -5722,7 +5722,7 @@
               <a:avLst/>
             </a:prstGeom>
             <a:solidFill>
-              <a:srgbClr val="F8766D">
+              <a:srgbClr val="1C86EE">
                 <a:alpha val="100000"/>
               </a:srgbClr>
             </a:solidFill>
@@ -5748,7 +5748,7 @@
               <a:avLst/>
             </a:prstGeom>
             <a:solidFill>
-              <a:srgbClr val="F8766D">
+              <a:srgbClr val="1C86EE">
                 <a:alpha val="100000"/>
               </a:srgbClr>
             </a:solidFill>
@@ -5774,7 +5774,7 @@
               <a:avLst/>
             </a:prstGeom>
             <a:solidFill>
-              <a:srgbClr val="F8766D">
+              <a:srgbClr val="1C86EE">
                 <a:alpha val="100000"/>
               </a:srgbClr>
             </a:solidFill>
@@ -5800,7 +5800,7 @@
               <a:avLst/>
             </a:prstGeom>
             <a:solidFill>
-              <a:srgbClr val="F8766D">
+              <a:srgbClr val="1C86EE">
                 <a:alpha val="100000"/>
               </a:srgbClr>
             </a:solidFill>
@@ -5826,7 +5826,7 @@
               <a:avLst/>
             </a:prstGeom>
             <a:solidFill>
-              <a:srgbClr val="F8766D">
+              <a:srgbClr val="1C86EE">
                 <a:alpha val="100000"/>
               </a:srgbClr>
             </a:solidFill>
@@ -5852,7 +5852,7 @@
               <a:avLst/>
             </a:prstGeom>
             <a:solidFill>
-              <a:srgbClr val="F8766D">
+              <a:srgbClr val="1C86EE">
                 <a:alpha val="100000"/>
               </a:srgbClr>
             </a:solidFill>
@@ -5878,7 +5878,7 @@
               <a:avLst/>
             </a:prstGeom>
             <a:solidFill>
-              <a:srgbClr val="F8766D">
+              <a:srgbClr val="1C86EE">
                 <a:alpha val="100000"/>
               </a:srgbClr>
             </a:solidFill>
@@ -5904,7 +5904,7 @@
               <a:avLst/>
             </a:prstGeom>
             <a:solidFill>
-              <a:srgbClr val="F8766D">
+              <a:srgbClr val="1C86EE">
                 <a:alpha val="100000"/>
               </a:srgbClr>
             </a:solidFill>
@@ -5930,7 +5930,7 @@
               <a:avLst/>
             </a:prstGeom>
             <a:solidFill>
-              <a:srgbClr val="F8766D">
+              <a:srgbClr val="1C86EE">
                 <a:alpha val="100000"/>
               </a:srgbClr>
             </a:solidFill>
@@ -5956,7 +5956,7 @@
               <a:avLst/>
             </a:prstGeom>
             <a:solidFill>
-              <a:srgbClr val="F8766D">
+              <a:srgbClr val="1C86EE">
                 <a:alpha val="100000"/>
               </a:srgbClr>
             </a:solidFill>
@@ -5982,7 +5982,7 @@
               <a:avLst/>
             </a:prstGeom>
             <a:solidFill>
-              <a:srgbClr val="00BFC4">
+              <a:srgbClr val="EE2C2C">
                 <a:alpha val="100000"/>
               </a:srgbClr>
             </a:solidFill>
@@ -6008,7 +6008,7 @@
               <a:avLst/>
             </a:prstGeom>
             <a:solidFill>
-              <a:srgbClr val="F8766D">
+              <a:srgbClr val="1C86EE">
                 <a:alpha val="100000"/>
               </a:srgbClr>
             </a:solidFill>
@@ -6034,7 +6034,7 @@
               <a:avLst/>
             </a:prstGeom>
             <a:solidFill>
-              <a:srgbClr val="F8766D">
+              <a:srgbClr val="1C86EE">
                 <a:alpha val="100000"/>
               </a:srgbClr>
             </a:solidFill>
@@ -6060,7 +6060,7 @@
               <a:avLst/>
             </a:prstGeom>
             <a:solidFill>
-              <a:srgbClr val="F8766D">
+              <a:srgbClr val="1C86EE">
                 <a:alpha val="100000"/>
               </a:srgbClr>
             </a:solidFill>
@@ -6086,7 +6086,7 @@
               <a:avLst/>
             </a:prstGeom>
             <a:solidFill>
-              <a:srgbClr val="F8766D">
+              <a:srgbClr val="1C86EE">
                 <a:alpha val="100000"/>
               </a:srgbClr>
             </a:solidFill>
@@ -6112,7 +6112,7 @@
               <a:avLst/>
             </a:prstGeom>
             <a:solidFill>
-              <a:srgbClr val="F8766D">
+              <a:srgbClr val="1C86EE">
                 <a:alpha val="100000"/>
               </a:srgbClr>
             </a:solidFill>
@@ -6138,7 +6138,7 @@
               <a:avLst/>
             </a:prstGeom>
             <a:solidFill>
-              <a:srgbClr val="F8766D">
+              <a:srgbClr val="1C86EE">
                 <a:alpha val="100000"/>
               </a:srgbClr>
             </a:solidFill>
@@ -6164,7 +6164,7 @@
               <a:avLst/>
             </a:prstGeom>
             <a:solidFill>
-              <a:srgbClr val="F8766D">
+              <a:srgbClr val="1C86EE">
                 <a:alpha val="100000"/>
               </a:srgbClr>
             </a:solidFill>
@@ -6190,7 +6190,7 @@
               <a:avLst/>
             </a:prstGeom>
             <a:solidFill>
-              <a:srgbClr val="F8766D">
+              <a:srgbClr val="1C86EE">
                 <a:alpha val="100000"/>
               </a:srgbClr>
             </a:solidFill>
@@ -6216,7 +6216,7 @@
               <a:avLst/>
             </a:prstGeom>
             <a:solidFill>
-              <a:srgbClr val="F8766D">
+              <a:srgbClr val="1C86EE">
                 <a:alpha val="100000"/>
               </a:srgbClr>
             </a:solidFill>
@@ -6242,7 +6242,7 @@
               <a:avLst/>
             </a:prstGeom>
             <a:solidFill>
-              <a:srgbClr val="F8766D">
+              <a:srgbClr val="1C86EE">
                 <a:alpha val="100000"/>
               </a:srgbClr>
             </a:solidFill>
@@ -6268,7 +6268,7 @@
               <a:avLst/>
             </a:prstGeom>
             <a:solidFill>
-              <a:srgbClr val="F8766D">
+              <a:srgbClr val="1C86EE">
                 <a:alpha val="100000"/>
               </a:srgbClr>
             </a:solidFill>
@@ -6294,7 +6294,7 @@
               <a:avLst/>
             </a:prstGeom>
             <a:solidFill>
-              <a:srgbClr val="F8766D">
+              <a:srgbClr val="1C86EE">
                 <a:alpha val="100000"/>
               </a:srgbClr>
             </a:solidFill>
@@ -6320,7 +6320,7 @@
               <a:avLst/>
             </a:prstGeom>
             <a:solidFill>
-              <a:srgbClr val="F8766D">
+              <a:srgbClr val="1C86EE">
                 <a:alpha val="100000"/>
               </a:srgbClr>
             </a:solidFill>
@@ -6346,7 +6346,7 @@
               <a:avLst/>
             </a:prstGeom>
             <a:solidFill>
-              <a:srgbClr val="F8766D">
+              <a:srgbClr val="1C86EE">
                 <a:alpha val="100000"/>
               </a:srgbClr>
             </a:solidFill>
@@ -6372,7 +6372,7 @@
               <a:avLst/>
             </a:prstGeom>
             <a:solidFill>
-              <a:srgbClr val="00BFC4">
+              <a:srgbClr val="EE2C2C">
                 <a:alpha val="100000"/>
               </a:srgbClr>
             </a:solidFill>
@@ -6398,7 +6398,7 @@
               <a:avLst/>
             </a:prstGeom>
             <a:solidFill>
-              <a:srgbClr val="00BFC4">
+              <a:srgbClr val="EE2C2C">
                 <a:alpha val="100000"/>
               </a:srgbClr>
             </a:solidFill>
@@ -6424,7 +6424,7 @@
               <a:avLst/>
             </a:prstGeom>
             <a:solidFill>
-              <a:srgbClr val="F8766D">
+              <a:srgbClr val="1C86EE">
                 <a:alpha val="100000"/>
               </a:srgbClr>
             </a:solidFill>
@@ -6450,7 +6450,7 @@
               <a:avLst/>
             </a:prstGeom>
             <a:solidFill>
-              <a:srgbClr val="F8766D">
+              <a:srgbClr val="1C86EE">
                 <a:alpha val="100000"/>
               </a:srgbClr>
             </a:solidFill>
@@ -6476,7 +6476,7 @@
               <a:avLst/>
             </a:prstGeom>
             <a:solidFill>
-              <a:srgbClr val="F8766D">
+              <a:srgbClr val="1C86EE">
                 <a:alpha val="100000"/>
               </a:srgbClr>
             </a:solidFill>
@@ -6502,7 +6502,7 @@
               <a:avLst/>
             </a:prstGeom>
             <a:solidFill>
-              <a:srgbClr val="F8766D">
+              <a:srgbClr val="1C86EE">
                 <a:alpha val="100000"/>
               </a:srgbClr>
             </a:solidFill>
@@ -6528,7 +6528,7 @@
               <a:avLst/>
             </a:prstGeom>
             <a:solidFill>
-              <a:srgbClr val="F8766D">
+              <a:srgbClr val="1C86EE">
                 <a:alpha val="100000"/>
               </a:srgbClr>
             </a:solidFill>
@@ -6554,7 +6554,7 @@
               <a:avLst/>
             </a:prstGeom>
             <a:solidFill>
-              <a:srgbClr val="F8766D">
+              <a:srgbClr val="1C86EE">
                 <a:alpha val="100000"/>
               </a:srgbClr>
             </a:solidFill>
@@ -6580,7 +6580,7 @@
               <a:avLst/>
             </a:prstGeom>
             <a:solidFill>
-              <a:srgbClr val="00BFC4">
+              <a:srgbClr val="EE2C2C">
                 <a:alpha val="100000"/>
               </a:srgbClr>
             </a:solidFill>
@@ -6606,7 +6606,7 @@
               <a:avLst/>
             </a:prstGeom>
             <a:solidFill>
-              <a:srgbClr val="F8766D">
+              <a:srgbClr val="1C86EE">
                 <a:alpha val="100000"/>
               </a:srgbClr>
             </a:solidFill>
@@ -6632,7 +6632,7 @@
               <a:avLst/>
             </a:prstGeom>
             <a:solidFill>
-              <a:srgbClr val="F8766D">
+              <a:srgbClr val="1C86EE">
                 <a:alpha val="100000"/>
               </a:srgbClr>
             </a:solidFill>
@@ -6658,7 +6658,7 @@
               <a:avLst/>
             </a:prstGeom>
             <a:solidFill>
-              <a:srgbClr val="F8766D">
+              <a:srgbClr val="1C86EE">
                 <a:alpha val="100000"/>
               </a:srgbClr>
             </a:solidFill>
@@ -6684,7 +6684,7 @@
               <a:avLst/>
             </a:prstGeom>
             <a:solidFill>
-              <a:srgbClr val="F8766D">
+              <a:srgbClr val="1C86EE">
                 <a:alpha val="100000"/>
               </a:srgbClr>
             </a:solidFill>
@@ -6710,7 +6710,7 @@
               <a:avLst/>
             </a:prstGeom>
             <a:solidFill>
-              <a:srgbClr val="00BFC4">
+              <a:srgbClr val="EE2C2C">
                 <a:alpha val="100000"/>
               </a:srgbClr>
             </a:solidFill>
@@ -6736,7 +6736,7 @@
               <a:avLst/>
             </a:prstGeom>
             <a:solidFill>
-              <a:srgbClr val="F8766D">
+              <a:srgbClr val="1C86EE">
                 <a:alpha val="100000"/>
               </a:srgbClr>
             </a:solidFill>
@@ -6762,7 +6762,7 @@
               <a:avLst/>
             </a:prstGeom>
             <a:solidFill>
-              <a:srgbClr val="F8766D">
+              <a:srgbClr val="1C86EE">
                 <a:alpha val="100000"/>
               </a:srgbClr>
             </a:solidFill>
@@ -6788,7 +6788,7 @@
               <a:avLst/>
             </a:prstGeom>
             <a:solidFill>
-              <a:srgbClr val="00BFC4">
+              <a:srgbClr val="EE2C2C">
                 <a:alpha val="100000"/>
               </a:srgbClr>
             </a:solidFill>
@@ -6814,7 +6814,7 @@
               <a:avLst/>
             </a:prstGeom>
             <a:solidFill>
-              <a:srgbClr val="00BFC4">
+              <a:srgbClr val="EE2C2C">
                 <a:alpha val="100000"/>
               </a:srgbClr>
             </a:solidFill>
@@ -6840,7 +6840,7 @@
               <a:avLst/>
             </a:prstGeom>
             <a:solidFill>
-              <a:srgbClr val="F8766D">
+              <a:srgbClr val="1C86EE">
                 <a:alpha val="100000"/>
               </a:srgbClr>
             </a:solidFill>
@@ -6866,7 +6866,7 @@
               <a:avLst/>
             </a:prstGeom>
             <a:solidFill>
-              <a:srgbClr val="00BFC4">
+              <a:srgbClr val="EE2C2C">
                 <a:alpha val="100000"/>
               </a:srgbClr>
             </a:solidFill>
@@ -6892,7 +6892,7 @@
               <a:avLst/>
             </a:prstGeom>
             <a:solidFill>
-              <a:srgbClr val="F8766D">
+              <a:srgbClr val="1C86EE">
                 <a:alpha val="100000"/>
               </a:srgbClr>
             </a:solidFill>
@@ -6918,7 +6918,7 @@
               <a:avLst/>
             </a:prstGeom>
             <a:solidFill>
-              <a:srgbClr val="F8766D">
+              <a:srgbClr val="1C86EE">
                 <a:alpha val="100000"/>
               </a:srgbClr>
             </a:solidFill>
@@ -6944,7 +6944,7 @@
               <a:avLst/>
             </a:prstGeom>
             <a:solidFill>
-              <a:srgbClr val="F8766D">
+              <a:srgbClr val="1C86EE">
                 <a:alpha val="100000"/>
               </a:srgbClr>
             </a:solidFill>
@@ -6970,7 +6970,7 @@
               <a:avLst/>
             </a:prstGeom>
             <a:solidFill>
-              <a:srgbClr val="F8766D">
+              <a:srgbClr val="1C86EE">
                 <a:alpha val="100000"/>
               </a:srgbClr>
             </a:solidFill>
@@ -8282,7 +8282,7 @@
             </a:custGeom>
             <a:ln w="27101" cap="flat">
               <a:solidFill>
-                <a:srgbClr val="F8766D">
+                <a:srgbClr val="1C86EE">
                   <a:alpha val="100000"/>
                 </a:srgbClr>
               </a:solidFill>
@@ -9597,7 +9597,7 @@
             </a:custGeom>
             <a:ln w="27101" cap="flat">
               <a:solidFill>
-                <a:srgbClr val="00BFC4">
+                <a:srgbClr val="EE2C2C">
                   <a:alpha val="100000"/>
                 </a:srgbClr>
               </a:solidFill>
@@ -12088,13 +12088,13 @@
               <a:avLst/>
             </a:prstGeom>
             <a:solidFill>
-              <a:srgbClr val="F8766D">
+              <a:srgbClr val="1C86EE">
                 <a:alpha val="100000"/>
               </a:srgbClr>
             </a:solidFill>
             <a:ln w="9000" cap="rnd">
               <a:solidFill>
-                <a:srgbClr val="F8766D">
+                <a:srgbClr val="1C86EE">
                   <a:alpha val="100000"/>
                 </a:srgbClr>
               </a:solidFill>
@@ -12160,7 +12160,7 @@
             </a:custGeom>
             <a:ln w="27101" cap="flat">
               <a:solidFill>
-                <a:srgbClr val="F8766D">
+                <a:srgbClr val="1C86EE">
                   <a:alpha val="100000"/>
                 </a:srgbClr>
               </a:solidFill>
@@ -12215,13 +12215,13 @@
               <a:avLst/>
             </a:prstGeom>
             <a:solidFill>
-              <a:srgbClr val="00BFC4">
+              <a:srgbClr val="EE2C2C">
                 <a:alpha val="100000"/>
               </a:srgbClr>
             </a:solidFill>
             <a:ln w="9000" cap="rnd">
               <a:solidFill>
-                <a:srgbClr val="00BFC4">
+                <a:srgbClr val="EE2C2C">
                   <a:alpha val="100000"/>
                 </a:srgbClr>
               </a:solidFill>
@@ -12287,7 +12287,7 @@
             </a:custGeom>
             <a:ln w="27101" cap="flat">
               <a:solidFill>
-                <a:srgbClr val="00BFC4">
+                <a:srgbClr val="EE2C2C">
                   <a:alpha val="100000"/>
                 </a:srgbClr>
               </a:solidFill>
